--- a/spice_overview.pptx
+++ b/spice_overview.pptx
@@ -9,14 +9,15 @@
     <p:sldId id="257" r:id="rId3"/>
     <p:sldId id="258" r:id="rId4"/>
     <p:sldId id="262" r:id="rId5"/>
-    <p:sldId id="259" r:id="rId6"/>
-    <p:sldId id="260" r:id="rId7"/>
-    <p:sldId id="261" r:id="rId8"/>
-    <p:sldId id="263" r:id="rId9"/>
-    <p:sldId id="264" r:id="rId10"/>
-    <p:sldId id="265" r:id="rId11"/>
-    <p:sldId id="267" r:id="rId12"/>
-    <p:sldId id="266" r:id="rId13"/>
+    <p:sldId id="268" r:id="rId6"/>
+    <p:sldId id="259" r:id="rId7"/>
+    <p:sldId id="260" r:id="rId8"/>
+    <p:sldId id="261" r:id="rId9"/>
+    <p:sldId id="263" r:id="rId10"/>
+    <p:sldId id="264" r:id="rId11"/>
+    <p:sldId id="265" r:id="rId12"/>
+    <p:sldId id="267" r:id="rId13"/>
+    <p:sldId id="266" r:id="rId14"/>
   </p:sldIdLst>
   <p:sldSz cx="12192000" cy="6858000"/>
   <p:notesSz cx="6858000" cy="9144000"/>
@@ -5186,7 +5187,7 @@
           <p:cNvPr id="2" name="Title 1">
             <a:extLst>
               <a:ext uri="{FF2B5EF4-FFF2-40B4-BE49-F238E27FC236}">
-                <a16:creationId xmlns:a16="http://schemas.microsoft.com/office/drawing/2014/main" id="{E6E0C275-6879-4435-B576-69E390788CF5}"/>
+                <a16:creationId xmlns:a16="http://schemas.microsoft.com/office/drawing/2014/main" id="{5BC0A71A-48FA-4F5D-86B6-F53A70C2A7C0}"/>
               </a:ext>
             </a:extLst>
           </p:cNvPr>
@@ -5204,7 +5205,15 @@
           <a:p>
             <a:r>
               <a:rPr lang="en-US" dirty="0" err="1"/>
-              <a:t>pxform</a:t>
+              <a:t>spkpos</a:t>
+            </a:r>
+            <a:r>
+              <a:rPr lang="en-US" dirty="0"/>
+              <a:t>() and </a:t>
+            </a:r>
+            <a:r>
+              <a:rPr lang="en-US" dirty="0" err="1"/>
+              <a:t>spkezr</a:t>
             </a:r>
             <a:r>
               <a:rPr lang="en-US" dirty="0"/>
@@ -5218,7 +5227,7 @@
           <p:cNvPr id="3" name="Content Placeholder 2">
             <a:extLst>
               <a:ext uri="{FF2B5EF4-FFF2-40B4-BE49-F238E27FC236}">
-                <a16:creationId xmlns:a16="http://schemas.microsoft.com/office/drawing/2014/main" id="{8D5B4707-455C-48C7-9DF5-FEC4B6118F19}"/>
+                <a16:creationId xmlns:a16="http://schemas.microsoft.com/office/drawing/2014/main" id="{B64EE814-F4D6-4245-BCCA-8752629495C6}"/>
               </a:ext>
             </a:extLst>
           </p:cNvPr>
@@ -5236,48 +5245,96 @@
           <a:p>
             <a:r>
               <a:rPr lang="en-US" dirty="0"/>
-              <a:t>Obtains the rotation from one frame/attitude to another</a:t>
+              <a:t>Both follow the same argument format:</a:t>
             </a:r>
           </a:p>
           <a:p>
             <a:pPr lvl="1"/>
             <a:r>
               <a:rPr lang="en-US" dirty="0"/>
-              <a:t>MATLAB Example: </a:t>
+              <a:t>MATLAB Example: position = </a:t>
             </a:r>
             <a:r>
               <a:rPr lang="en-US" dirty="0" err="1"/>
-              <a:t>earth_rotation</a:t>
-            </a:r>
-            <a:r>
-              <a:rPr lang="en-US" dirty="0"/>
-              <a:t> = </a:t>
+              <a:t>cspice_spkpos</a:t>
+            </a:r>
+            <a:r>
+              <a:rPr lang="en-US" dirty="0"/>
+              <a:t>(TARGET, et, FRAME, </a:t>
             </a:r>
             <a:r>
               <a:rPr lang="en-US" dirty="0" err="1"/>
-              <a:t>cspice_pxform</a:t>
-            </a:r>
-            <a:r>
-              <a:rPr lang="en-US" dirty="0"/>
-              <a:t>('J2000','IAU_EARTH',et);</a:t>
+              <a:t>Abcorr</a:t>
+            </a:r>
+            <a:r>
+              <a:rPr lang="en-US" dirty="0"/>
+              <a:t>, ORIGIN)</a:t>
+            </a:r>
+          </a:p>
+          <a:p>
+            <a:pPr lvl="2"/>
+            <a:r>
+              <a:rPr lang="en-US" dirty="0"/>
+              <a:t>TARGET = Object whose position you wish to determine</a:t>
+            </a:r>
+          </a:p>
+          <a:p>
+            <a:pPr lvl="2"/>
+            <a:r>
+              <a:rPr lang="en-US" dirty="0"/>
+              <a:t>et = The ephemeris time of the position you wish to determine</a:t>
+            </a:r>
+          </a:p>
+          <a:p>
+            <a:pPr lvl="2"/>
+            <a:r>
+              <a:rPr lang="en-US" dirty="0"/>
+              <a:t>FRAME = The reference frame you wish to determine the position in</a:t>
+            </a:r>
+          </a:p>
+          <a:p>
+            <a:pPr lvl="2"/>
+            <a:r>
+              <a:rPr lang="en-US" dirty="0" err="1"/>
+              <a:t>Abcorr</a:t>
+            </a:r>
+            <a:r>
+              <a:rPr lang="en-US" dirty="0"/>
+              <a:t> = “Aberration Correct”.  For now you can essentially assume it should always be “NONE”</a:t>
+            </a:r>
+          </a:p>
+          <a:p>
+            <a:pPr lvl="2"/>
+            <a:r>
+              <a:rPr lang="en-US" dirty="0"/>
+              <a:t>ORIGIN = The origin with which you want to determine the position relative to</a:t>
+            </a:r>
+          </a:p>
+          <a:p>
+            <a:pPr lvl="2"/>
+            <a:endParaRPr lang="en-US" dirty="0"/>
+          </a:p>
+          <a:p>
+            <a:pPr lvl="1"/>
+            <a:r>
+              <a:rPr lang="en-US" dirty="0" err="1"/>
+              <a:t>spkezr</a:t>
+            </a:r>
+            <a:r>
+              <a:rPr lang="en-US" dirty="0"/>
+              <a:t> has the exact same format but instead of returning just the position, it also returns the velocity</a:t>
             </a:r>
           </a:p>
           <a:p>
             <a:pPr lvl="1"/>
             <a:endParaRPr lang="en-US" dirty="0"/>
-          </a:p>
-          <a:p>
-            <a:r>
-              <a:rPr lang="en-US" dirty="0"/>
-              <a:t>This requires that the relevant rotation information (either frames kernels for instruments/spacecraft or PCK kernels for planets) have been furnished</a:t>
-            </a:r>
           </a:p>
         </p:txBody>
       </p:sp>
     </p:spTree>
     <p:extLst>
       <p:ext uri="{BB962C8B-B14F-4D97-AF65-F5344CB8AC3E}">
-        <p14:creationId xmlns:p14="http://schemas.microsoft.com/office/powerpoint/2010/main" val="3400594249"/>
+        <p14:creationId xmlns:p14="http://schemas.microsoft.com/office/powerpoint/2010/main" val="2492173700"/>
       </p:ext>
     </p:extLst>
   </p:cSld>
@@ -5309,6 +5366,129 @@
           <p:cNvPr id="2" name="Title 1">
             <a:extLst>
               <a:ext uri="{FF2B5EF4-FFF2-40B4-BE49-F238E27FC236}">
+                <a16:creationId xmlns:a16="http://schemas.microsoft.com/office/drawing/2014/main" id="{E6E0C275-6879-4435-B576-69E390788CF5}"/>
+              </a:ext>
+            </a:extLst>
+          </p:cNvPr>
+          <p:cNvSpPr>
+            <a:spLocks noGrp="1"/>
+          </p:cNvSpPr>
+          <p:nvPr>
+            <p:ph type="title"/>
+          </p:nvPr>
+        </p:nvSpPr>
+        <p:spPr/>
+        <p:txBody>
+          <a:bodyPr/>
+          <a:lstStyle/>
+          <a:p>
+            <a:r>
+              <a:rPr lang="en-US" dirty="0" err="1"/>
+              <a:t>pxform</a:t>
+            </a:r>
+            <a:r>
+              <a:rPr lang="en-US" dirty="0"/>
+              <a:t>()</a:t>
+            </a:r>
+          </a:p>
+        </p:txBody>
+      </p:sp>
+      <p:sp>
+        <p:nvSpPr>
+          <p:cNvPr id="3" name="Content Placeholder 2">
+            <a:extLst>
+              <a:ext uri="{FF2B5EF4-FFF2-40B4-BE49-F238E27FC236}">
+                <a16:creationId xmlns:a16="http://schemas.microsoft.com/office/drawing/2014/main" id="{8D5B4707-455C-48C7-9DF5-FEC4B6118F19}"/>
+              </a:ext>
+            </a:extLst>
+          </p:cNvPr>
+          <p:cNvSpPr>
+            <a:spLocks noGrp="1"/>
+          </p:cNvSpPr>
+          <p:nvPr>
+            <p:ph idx="1"/>
+          </p:nvPr>
+        </p:nvSpPr>
+        <p:spPr/>
+        <p:txBody>
+          <a:bodyPr/>
+          <a:lstStyle/>
+          <a:p>
+            <a:r>
+              <a:rPr lang="en-US" dirty="0"/>
+              <a:t>Obtains the rotation from one frame/attitude to another</a:t>
+            </a:r>
+          </a:p>
+          <a:p>
+            <a:pPr lvl="1"/>
+            <a:r>
+              <a:rPr lang="en-US" dirty="0"/>
+              <a:t>MATLAB Example: </a:t>
+            </a:r>
+            <a:r>
+              <a:rPr lang="en-US" dirty="0" err="1"/>
+              <a:t>earth_rotation</a:t>
+            </a:r>
+            <a:r>
+              <a:rPr lang="en-US" dirty="0"/>
+              <a:t> = </a:t>
+            </a:r>
+            <a:r>
+              <a:rPr lang="en-US" dirty="0" err="1"/>
+              <a:t>cspice_pxform</a:t>
+            </a:r>
+            <a:r>
+              <a:rPr lang="en-US" dirty="0"/>
+              <a:t>('J2000','IAU_EARTH',et);</a:t>
+            </a:r>
+          </a:p>
+          <a:p>
+            <a:pPr lvl="1"/>
+            <a:endParaRPr lang="en-US" dirty="0"/>
+          </a:p>
+          <a:p>
+            <a:r>
+              <a:rPr lang="en-US" dirty="0"/>
+              <a:t>This requires that the relevant rotation information (either frames kernels for instruments/spacecraft or PCK kernels for planets) have been furnished</a:t>
+            </a:r>
+          </a:p>
+        </p:txBody>
+      </p:sp>
+    </p:spTree>
+    <p:extLst>
+      <p:ext uri="{BB962C8B-B14F-4D97-AF65-F5344CB8AC3E}">
+        <p14:creationId xmlns:p14="http://schemas.microsoft.com/office/powerpoint/2010/main" val="3400594249"/>
+      </p:ext>
+    </p:extLst>
+  </p:cSld>
+  <p:clrMapOvr>
+    <a:masterClrMapping/>
+  </p:clrMapOvr>
+</p:sld>
+</file>
+
+<file path=ppt/slides/slide12.xml><?xml version="1.0" encoding="utf-8"?>
+<p:sld xmlns:a="http://schemas.openxmlformats.org/drawingml/2006/main" xmlns:r="http://schemas.openxmlformats.org/officeDocument/2006/relationships" xmlns:p="http://schemas.openxmlformats.org/presentationml/2006/main">
+  <p:cSld>
+    <p:spTree>
+      <p:nvGrpSpPr>
+        <p:cNvPr id="1" name=""/>
+        <p:cNvGrpSpPr/>
+        <p:nvPr/>
+      </p:nvGrpSpPr>
+      <p:grpSpPr>
+        <a:xfrm>
+          <a:off x="0" y="0"/>
+          <a:ext cx="0" cy="0"/>
+          <a:chOff x="0" y="0"/>
+          <a:chExt cx="0" cy="0"/>
+        </a:xfrm>
+      </p:grpSpPr>
+      <p:sp>
+        <p:nvSpPr>
+          <p:cNvPr id="2" name="Title 1">
+            <a:extLst>
+              <a:ext uri="{FF2B5EF4-FFF2-40B4-BE49-F238E27FC236}">
                 <a16:creationId xmlns:a16="http://schemas.microsoft.com/office/drawing/2014/main" id="{CA4CD868-2532-46A3-851A-ED4CA2C8B8E1}"/>
               </a:ext>
             </a:extLst>
@@ -5487,7 +5667,7 @@
 </p:sld>
 </file>
 
-<file path=ppt/slides/slide12.xml><?xml version="1.0" encoding="utf-8"?>
+<file path=ppt/slides/slide13.xml><?xml version="1.0" encoding="utf-8"?>
 <p:sld xmlns:a="http://schemas.openxmlformats.org/drawingml/2006/main" xmlns:r="http://schemas.openxmlformats.org/officeDocument/2006/relationships" xmlns:p="http://schemas.openxmlformats.org/presentationml/2006/main">
   <p:cSld>
     <p:spTree>
@@ -5960,7 +6140,7 @@
           <p:nvPr>
             <p:extLst>
               <p:ext uri="{D42A27DB-BD31-4B8C-83A1-F6EECF244321}">
-                <p14:modId xmlns:p14="http://schemas.microsoft.com/office/powerpoint/2010/main" val="4076539734"/>
+                <p14:modId xmlns:p14="http://schemas.microsoft.com/office/powerpoint/2010/main" val="3066067797"/>
               </p:ext>
             </p:extLst>
           </p:nvPr>
@@ -6853,7 +7033,7 @@
           <p:cNvPr id="2" name="Title 1">
             <a:extLst>
               <a:ext uri="{FF2B5EF4-FFF2-40B4-BE49-F238E27FC236}">
-                <a16:creationId xmlns:a16="http://schemas.microsoft.com/office/drawing/2014/main" id="{725F4A5F-DDC8-4E0B-8EF2-60EF27D20A0D}"/>
+                <a16:creationId xmlns:a16="http://schemas.microsoft.com/office/drawing/2014/main" id="{A7CB7675-A47F-4430-81EB-1D1B10FA3E15}"/>
               </a:ext>
             </a:extLst>
           </p:cNvPr>
@@ -6871,7 +7051,7 @@
           <a:p>
             <a:r>
               <a:rPr lang="en-US" dirty="0"/>
-              <a:t>Basic Functions Reviewed today</a:t>
+              <a:t>Where can you get kernels?</a:t>
             </a:r>
           </a:p>
         </p:txBody>
@@ -6881,7 +7061,7 @@
           <p:cNvPr id="3" name="Content Placeholder 2">
             <a:extLst>
               <a:ext uri="{FF2B5EF4-FFF2-40B4-BE49-F238E27FC236}">
-                <a16:creationId xmlns:a16="http://schemas.microsoft.com/office/drawing/2014/main" id="{EF4B0567-725C-452B-907F-5F816CAA43D1}"/>
+                <a16:creationId xmlns:a16="http://schemas.microsoft.com/office/drawing/2014/main" id="{1009907B-C19C-4601-B90C-E9B5A7052E22}"/>
               </a:ext>
             </a:extLst>
           </p:cNvPr>
@@ -6894,198 +7074,51 @@
         </p:nvSpPr>
         <p:spPr/>
         <p:txBody>
-          <a:bodyPr>
-            <a:normAutofit fontScale="85000" lnSpcReduction="20000"/>
-          </a:bodyPr>
-          <a:lstStyle/>
-          <a:p>
-            <a:r>
-              <a:rPr lang="en-US" sz="2600" dirty="0" err="1"/>
-              <a:t>furnsh</a:t>
-            </a:r>
-            <a:r>
-              <a:rPr lang="en-US" sz="2600" dirty="0"/>
-              <a:t>(): </a:t>
-            </a:r>
-            <a:r>
-              <a:rPr lang="en-US" sz="2600" dirty="0">
+          <a:bodyPr/>
+          <a:lstStyle/>
+          <a:p>
+            <a:r>
+              <a:rPr lang="en-US" dirty="0"/>
+              <a:t>Generic kernels can be found at: </a:t>
+            </a:r>
+            <a:r>
+              <a:rPr lang="en-US" dirty="0">
                 <a:hlinkClick r:id="rId2"/>
               </a:rPr>
-              <a:t>https://naif.jpl.nasa.gov/pub/naif/toolkit_docs/FORTRAN/spicelib/furnsh.html</a:t>
-            </a:r>
-            <a:endParaRPr lang="en-US" sz="2600" dirty="0"/>
-          </a:p>
-          <a:p>
-            <a:r>
-              <a:rPr lang="en-US" sz="2600" dirty="0" err="1"/>
-              <a:t>cspice_kclear</a:t>
-            </a:r>
-            <a:r>
-              <a:rPr lang="en-US" sz="2600" dirty="0"/>
-              <a:t>(): </a:t>
-            </a:r>
-            <a:r>
-              <a:rPr lang="en-US" sz="2600" dirty="0">
+              <a:t>https://naif.jpl.nasa.gov/pub/naif/generic_kernels/</a:t>
+            </a:r>
+            <a:endParaRPr lang="en-US" dirty="0"/>
+          </a:p>
+          <a:p>
+            <a:r>
+              <a:rPr lang="en-US" dirty="0"/>
+              <a:t>Operational flight project kernels can be found at: </a:t>
+            </a:r>
+            <a:r>
+              <a:rPr lang="en-US" dirty="0">
                 <a:hlinkClick r:id="rId3"/>
               </a:rPr>
-              <a:t>https://naif.jpl.nasa.gov/pub/naif/toolkit_docs/IDL/icy/cspice_kclear.html</a:t>
-            </a:r>
-            <a:endParaRPr lang="en-US" sz="2600" dirty="0"/>
-          </a:p>
-          <a:p>
-            <a:r>
-              <a:rPr lang="en-US" sz="2600" dirty="0"/>
-              <a:t>str2et(): </a:t>
-            </a:r>
-            <a:r>
-              <a:rPr lang="en-US" sz="2600" dirty="0">
-                <a:hlinkClick r:id="rId4"/>
-              </a:rPr>
-              <a:t>https://naif.jpl.nasa.gov/pub/naif/toolkit_docs/FORTRAN/spicelib/str2et.html</a:t>
-            </a:r>
-            <a:endParaRPr lang="en-US" sz="2600" dirty="0"/>
-          </a:p>
-          <a:p>
-            <a:r>
-              <a:rPr lang="en-US" sz="2600" dirty="0"/>
-              <a:t>et2utc(): </a:t>
-            </a:r>
-            <a:r>
-              <a:rPr lang="en-US" sz="2600" dirty="0">
-                <a:hlinkClick r:id="rId5"/>
-              </a:rPr>
-              <a:t>https://naif.jpl.nasa.gov/pub/naif/toolkit_docs/FORTRAN/spicelib/et2utc.html</a:t>
-            </a:r>
-            <a:endParaRPr lang="en-US" sz="2600" dirty="0"/>
-          </a:p>
-          <a:p>
-            <a:r>
-              <a:rPr lang="en-US" sz="2600" dirty="0" err="1"/>
-              <a:t>bodvrd</a:t>
-            </a:r>
-            <a:r>
-              <a:rPr lang="en-US" sz="2600" dirty="0"/>
-              <a:t>():  </a:t>
-            </a:r>
-            <a:r>
-              <a:rPr lang="en-US" sz="2600" dirty="0">
-                <a:hlinkClick r:id="rId6"/>
-              </a:rPr>
-              <a:t>https://naif.jpl.nasa.gov/pub/naif/toolkit_docs/FORTRAN/spicelib/bodvrd.html</a:t>
-            </a:r>
-            <a:endParaRPr lang="en-US" sz="2600" dirty="0"/>
-          </a:p>
-          <a:p>
-            <a:r>
-              <a:rPr lang="en-US" sz="2600" dirty="0" err="1"/>
-              <a:t>spkpos</a:t>
-            </a:r>
-            <a:r>
-              <a:rPr lang="en-US" sz="2600" dirty="0"/>
-              <a:t>(): </a:t>
-            </a:r>
-            <a:r>
-              <a:rPr lang="en-US" sz="2600" dirty="0">
-                <a:hlinkClick r:id="rId7"/>
-              </a:rPr>
-              <a:t>https://naif.jpl.nasa.gov/pub/naif/toolkit_docs/FORTRAN/spicelib/spkpos.html</a:t>
-            </a:r>
-            <a:endParaRPr lang="en-US" sz="2600" dirty="0"/>
-          </a:p>
-          <a:p>
-            <a:r>
-              <a:rPr lang="en-US" sz="2600" dirty="0" err="1"/>
-              <a:t>spkezr</a:t>
-            </a:r>
-            <a:r>
-              <a:rPr lang="en-US" sz="2600" dirty="0"/>
-              <a:t>(): </a:t>
-            </a:r>
-            <a:r>
-              <a:rPr lang="en-US" sz="2600" dirty="0">
-                <a:hlinkClick r:id="rId8"/>
-              </a:rPr>
-              <a:t>https://naif.jpl.nasa.gov/pub/naif/toolkit_docs/FORTRAN/spicelib/spkezr.html</a:t>
-            </a:r>
-            <a:endParaRPr lang="en-US" sz="2600" dirty="0"/>
-          </a:p>
-          <a:p>
-            <a:r>
-              <a:rPr lang="en-US" sz="2600" dirty="0" err="1"/>
-              <a:t>pxform</a:t>
-            </a:r>
-            <a:r>
-              <a:rPr lang="en-US" sz="2600" dirty="0"/>
-              <a:t>(): </a:t>
-            </a:r>
-            <a:r>
-              <a:rPr lang="en-US" sz="2600" dirty="0">
-                <a:hlinkClick r:id="rId9"/>
-              </a:rPr>
-              <a:t>https://naif.jpl.nasa.gov/pub/naif/toolkit_docs/FORTRAN/spicelib/pxform.html</a:t>
-            </a:r>
-            <a:endParaRPr lang="en-US" sz="2600" dirty="0"/>
-          </a:p>
-          <a:p>
+              <a:t>https://naif.jpl.nasa.gov/naif/data_operational.html</a:t>
+            </a:r>
             <a:endParaRPr lang="en-US" dirty="0"/>
           </a:p>
           <a:p>
             <a:r>
               <a:rPr lang="en-US" dirty="0"/>
-              <a:t>NOTE: Because SPICE was originally written in FORTRAN, the naming conventions are odd as FORTRAN limits function names to 6 characters.  </a:t>
-            </a:r>
-          </a:p>
-          <a:p>
-            <a:pPr lvl="1"/>
-            <a:r>
-              <a:rPr lang="en-US" dirty="0"/>
-              <a:t>In MATLAB the equivalent functions simply have a “</a:t>
-            </a:r>
-            <a:r>
-              <a:rPr lang="en-US" dirty="0" err="1"/>
-              <a:t>cspice</a:t>
-            </a:r>
-            <a:r>
-              <a:rPr lang="en-US" dirty="0"/>
-              <a:t>_” appended to the start</a:t>
-            </a:r>
-          </a:p>
-          <a:p>
-            <a:pPr lvl="1"/>
-            <a:r>
-              <a:rPr lang="en-US" dirty="0"/>
-              <a:t>In C the equivalent functions simply have a “_c” added to the end</a:t>
-            </a:r>
-          </a:p>
-          <a:p>
-            <a:pPr lvl="1"/>
-            <a:r>
-              <a:rPr lang="en-US" dirty="0"/>
-              <a:t>In python, the equivalent functions are in the namespace “</a:t>
-            </a:r>
-            <a:r>
-              <a:rPr lang="en-US" dirty="0" err="1"/>
-              <a:t>spiceypy</a:t>
-            </a:r>
-            <a:r>
-              <a:rPr lang="en-US" dirty="0"/>
-              <a:t>” (e.g. </a:t>
-            </a:r>
-            <a:r>
-              <a:rPr lang="en-US" dirty="0" err="1"/>
-              <a:t>spiceypy.furnsh</a:t>
-            </a:r>
-            <a:r>
-              <a:rPr lang="en-US" dirty="0"/>
-              <a:t>)</a:t>
-            </a:r>
+              <a:t>Many data products (especially images and LiDAR data) will come with associated SPICE kernels.  For example any NAC images from the LRO have an associated SPICE kernel defining where the camera was and how it was pointed while capturing </a:t>
+            </a:r>
+            <a:r>
+              <a:rPr lang="en-US"/>
+              <a:t>the image.</a:t>
+            </a:r>
+            <a:endParaRPr lang="en-US" dirty="0"/>
           </a:p>
         </p:txBody>
       </p:sp>
     </p:spTree>
     <p:extLst>
       <p:ext uri="{BB962C8B-B14F-4D97-AF65-F5344CB8AC3E}">
-        <p14:creationId xmlns:p14="http://schemas.microsoft.com/office/powerpoint/2010/main" val="1954070990"/>
+        <p14:creationId xmlns:p14="http://schemas.microsoft.com/office/powerpoint/2010/main" val="984287119"/>
       </p:ext>
     </p:extLst>
   </p:cSld>
@@ -7117,7 +7150,7 @@
           <p:cNvPr id="2" name="Title 1">
             <a:extLst>
               <a:ext uri="{FF2B5EF4-FFF2-40B4-BE49-F238E27FC236}">
-                <a16:creationId xmlns:a16="http://schemas.microsoft.com/office/drawing/2014/main" id="{2F0E340C-D47B-488D-864F-D26F807F579E}"/>
+                <a16:creationId xmlns:a16="http://schemas.microsoft.com/office/drawing/2014/main" id="{725F4A5F-DDC8-4E0B-8EF2-60EF27D20A0D}"/>
               </a:ext>
             </a:extLst>
           </p:cNvPr>
@@ -7134,85 +7167,214 @@
           <a:lstStyle/>
           <a:p>
             <a:r>
+              <a:rPr lang="en-US" dirty="0"/>
+              <a:t>Basic Functions Reviewed today</a:t>
+            </a:r>
+          </a:p>
+        </p:txBody>
+      </p:sp>
+      <p:sp>
+        <p:nvSpPr>
+          <p:cNvPr id="3" name="Content Placeholder 2">
+            <a:extLst>
+              <a:ext uri="{FF2B5EF4-FFF2-40B4-BE49-F238E27FC236}">
+                <a16:creationId xmlns:a16="http://schemas.microsoft.com/office/drawing/2014/main" id="{EF4B0567-725C-452B-907F-5F816CAA43D1}"/>
+              </a:ext>
+            </a:extLst>
+          </p:cNvPr>
+          <p:cNvSpPr>
+            <a:spLocks noGrp="1"/>
+          </p:cNvSpPr>
+          <p:nvPr>
+            <p:ph idx="1"/>
+          </p:nvPr>
+        </p:nvSpPr>
+        <p:spPr/>
+        <p:txBody>
+          <a:bodyPr>
+            <a:normAutofit fontScale="70000" lnSpcReduction="20000"/>
+          </a:bodyPr>
+          <a:lstStyle/>
+          <a:p>
+            <a:r>
+              <a:rPr lang="en-US" sz="2600" dirty="0" err="1"/>
+              <a:t>furnsh</a:t>
+            </a:r>
+            <a:r>
+              <a:rPr lang="en-US" sz="2600" dirty="0"/>
+              <a:t>(): </a:t>
+            </a:r>
+            <a:r>
+              <a:rPr lang="en-US" sz="2600" dirty="0">
+                <a:hlinkClick r:id="rId2"/>
+              </a:rPr>
+              <a:t>https://naif.jpl.nasa.gov/pub/naif/toolkit_docs/FORTRAN/spicelib/furnsh.html</a:t>
+            </a:r>
+            <a:endParaRPr lang="en-US" sz="2600" dirty="0"/>
+          </a:p>
+          <a:p>
+            <a:r>
+              <a:rPr lang="en-US" sz="2600" dirty="0" err="1"/>
+              <a:t>cspice_kclear</a:t>
+            </a:r>
+            <a:r>
+              <a:rPr lang="en-US" sz="2600" dirty="0"/>
+              <a:t>(): </a:t>
+            </a:r>
+            <a:r>
+              <a:rPr lang="en-US" sz="2600" dirty="0">
+                <a:hlinkClick r:id="rId3"/>
+              </a:rPr>
+              <a:t>https://naif.jpl.nasa.gov/pub/naif/toolkit_docs/IDL/icy/cspice_kclear.html</a:t>
+            </a:r>
+            <a:endParaRPr lang="en-US" sz="2600" dirty="0"/>
+          </a:p>
+          <a:p>
+            <a:r>
+              <a:rPr lang="en-US" sz="2600" dirty="0"/>
+              <a:t>str2et(): </a:t>
+            </a:r>
+            <a:r>
+              <a:rPr lang="en-US" sz="2600" dirty="0">
+                <a:hlinkClick r:id="rId4"/>
+              </a:rPr>
+              <a:t>https://naif.jpl.nasa.gov/pub/naif/toolkit_docs/FORTRAN/spicelib/str2et.html</a:t>
+            </a:r>
+            <a:endParaRPr lang="en-US" sz="2600" dirty="0"/>
+          </a:p>
+          <a:p>
+            <a:r>
+              <a:rPr lang="en-US" sz="2600" dirty="0"/>
+              <a:t>et2utc(): </a:t>
+            </a:r>
+            <a:r>
+              <a:rPr lang="en-US" sz="2600" dirty="0">
+                <a:hlinkClick r:id="rId5"/>
+              </a:rPr>
+              <a:t>https://naif.jpl.nasa.gov/pub/naif/toolkit_docs/FORTRAN/spicelib/et2utc.html</a:t>
+            </a:r>
+            <a:endParaRPr lang="en-US" sz="2600" dirty="0"/>
+          </a:p>
+          <a:p>
+            <a:r>
+              <a:rPr lang="en-US" sz="2600" dirty="0" err="1"/>
+              <a:t>bodvrd</a:t>
+            </a:r>
+            <a:r>
+              <a:rPr lang="en-US" sz="2600" dirty="0"/>
+              <a:t>():  </a:t>
+            </a:r>
+            <a:r>
+              <a:rPr lang="en-US" sz="2600" dirty="0">
+                <a:hlinkClick r:id="rId6"/>
+              </a:rPr>
+              <a:t>https://naif.jpl.nasa.gov/pub/naif/toolkit_docs/FORTRAN/spicelib/bodvrd.html</a:t>
+            </a:r>
+            <a:endParaRPr lang="en-US" sz="2600" dirty="0"/>
+          </a:p>
+          <a:p>
+            <a:r>
+              <a:rPr lang="en-US" sz="2600" dirty="0" err="1"/>
+              <a:t>spkpos</a:t>
+            </a:r>
+            <a:r>
+              <a:rPr lang="en-US" sz="2600" dirty="0"/>
+              <a:t>(): </a:t>
+            </a:r>
+            <a:r>
+              <a:rPr lang="en-US" sz="2600" dirty="0">
+                <a:hlinkClick r:id="rId7"/>
+              </a:rPr>
+              <a:t>https://naif.jpl.nasa.gov/pub/naif/toolkit_docs/FORTRAN/spicelib/spkpos.html</a:t>
+            </a:r>
+            <a:endParaRPr lang="en-US" sz="2600" dirty="0"/>
+          </a:p>
+          <a:p>
+            <a:r>
+              <a:rPr lang="en-US" sz="2600" dirty="0" err="1"/>
+              <a:t>spkezr</a:t>
+            </a:r>
+            <a:r>
+              <a:rPr lang="en-US" sz="2600" dirty="0"/>
+              <a:t>(): </a:t>
+            </a:r>
+            <a:r>
+              <a:rPr lang="en-US" sz="2600" dirty="0">
+                <a:hlinkClick r:id="rId8"/>
+              </a:rPr>
+              <a:t>https://naif.jpl.nasa.gov/pub/naif/toolkit_docs/FORTRAN/spicelib/spkezr.html</a:t>
+            </a:r>
+            <a:endParaRPr lang="en-US" sz="2600" dirty="0"/>
+          </a:p>
+          <a:p>
+            <a:r>
+              <a:rPr lang="en-US" sz="2600" dirty="0" err="1"/>
+              <a:t>pxform</a:t>
+            </a:r>
+            <a:r>
+              <a:rPr lang="en-US" sz="2600" dirty="0"/>
+              <a:t>(): </a:t>
+            </a:r>
+            <a:r>
+              <a:rPr lang="en-US" sz="2600" dirty="0">
+                <a:hlinkClick r:id="rId9"/>
+              </a:rPr>
+              <a:t>https://naif.jpl.nasa.gov/pub/naif/toolkit_docs/FORTRAN/spicelib/pxform.html</a:t>
+            </a:r>
+            <a:endParaRPr lang="en-US" sz="2600" dirty="0"/>
+          </a:p>
+          <a:p>
+            <a:endParaRPr lang="en-US" dirty="0"/>
+          </a:p>
+          <a:p>
+            <a:r>
+              <a:rPr lang="en-US" dirty="0"/>
+              <a:t>NOTE: Because SPICE was originally written in FORTRAN, the naming conventions are odd as FORTRAN limits function names to 6 characters.  </a:t>
+            </a:r>
+          </a:p>
+          <a:p>
+            <a:pPr lvl="1"/>
+            <a:r>
+              <a:rPr lang="en-US" dirty="0"/>
+              <a:t>In MATLAB the equivalent functions simply have a “</a:t>
+            </a:r>
+            <a:r>
               <a:rPr lang="en-US" dirty="0" err="1"/>
-              <a:t>furnsh</a:t>
-            </a:r>
-            <a:r>
-              <a:rPr lang="en-US" dirty="0"/>
-              <a:t> and </a:t>
+              <a:t>cspice</a:t>
+            </a:r>
+            <a:r>
+              <a:rPr lang="en-US" dirty="0"/>
+              <a:t>_” appended to the start</a:t>
+            </a:r>
+          </a:p>
+          <a:p>
+            <a:pPr lvl="1"/>
+            <a:r>
+              <a:rPr lang="en-US" dirty="0"/>
+              <a:t>In C the equivalent functions simply have a “_c” added to the end</a:t>
+            </a:r>
+          </a:p>
+          <a:p>
+            <a:pPr lvl="1"/>
+            <a:r>
+              <a:rPr lang="en-US" dirty="0"/>
+              <a:t>In python, the equivalent functions are in the namespace “</a:t>
             </a:r>
             <a:r>
               <a:rPr lang="en-US" dirty="0" err="1"/>
-              <a:t>cspice_kclear</a:t>
-            </a:r>
-            <a:endParaRPr lang="en-US" dirty="0"/>
-          </a:p>
-        </p:txBody>
-      </p:sp>
-      <p:sp>
-        <p:nvSpPr>
-          <p:cNvPr id="3" name="Content Placeholder 2">
-            <a:extLst>
-              <a:ext uri="{FF2B5EF4-FFF2-40B4-BE49-F238E27FC236}">
-                <a16:creationId xmlns:a16="http://schemas.microsoft.com/office/drawing/2014/main" id="{9F5AE0DD-1D8C-4BBA-B76E-E87AB1B0C9C0}"/>
-              </a:ext>
-            </a:extLst>
-          </p:cNvPr>
-          <p:cNvSpPr>
-            <a:spLocks noGrp="1"/>
-          </p:cNvSpPr>
-          <p:nvPr>
-            <p:ph idx="1"/>
-          </p:nvPr>
-        </p:nvSpPr>
-        <p:spPr/>
-        <p:txBody>
-          <a:bodyPr/>
-          <a:lstStyle/>
-          <a:p>
+              <a:t>spiceypy</a:t>
+            </a:r>
+            <a:r>
+              <a:rPr lang="en-US" dirty="0"/>
+              <a:t>” (e.g. </a:t>
+            </a:r>
             <a:r>
               <a:rPr lang="en-US" dirty="0" err="1"/>
-              <a:t>furnsh</a:t>
-            </a:r>
-            <a:r>
-              <a:rPr lang="en-US" dirty="0"/>
-              <a:t>():</a:t>
-            </a:r>
-          </a:p>
-          <a:p>
-            <a:pPr lvl="1"/>
-            <a:r>
-              <a:rPr lang="en-US" dirty="0"/>
-              <a:t>Short for “furnish”</a:t>
-            </a:r>
-          </a:p>
-          <a:p>
-            <a:pPr lvl="1"/>
-            <a:r>
-              <a:rPr lang="en-US" dirty="0"/>
-              <a:t>Adds kernel to the “pool” (that is, loads it such that it can be used)</a:t>
-            </a:r>
-          </a:p>
-          <a:p>
-            <a:pPr lvl="1"/>
-            <a:r>
-              <a:rPr lang="en-US" dirty="0"/>
-              <a:t>If a meta kernel is provided, then all of the kernels provided by the meta kernel are furnished.</a:t>
-            </a:r>
-          </a:p>
-          <a:p>
-            <a:pPr lvl="1"/>
-            <a:r>
-              <a:rPr lang="en-US" dirty="0"/>
-              <a:t>MATLAB Example:  </a:t>
-            </a:r>
-            <a:r>
-              <a:rPr lang="en-US" dirty="0" err="1"/>
-              <a:t>cspice_furnsh</a:t>
-            </a:r>
-            <a:r>
-              <a:rPr lang="en-US" dirty="0"/>
-              <a:t>(‘de430.bsp’)</a:t>
+              <a:t>spiceypy.furnsh</a:t>
+            </a:r>
+            <a:r>
+              <a:rPr lang="en-US" dirty="0"/>
+              <a:t>)</a:t>
             </a:r>
           </a:p>
           <a:p>
@@ -7221,29 +7383,15 @@
           </a:p>
           <a:p>
             <a:r>
-              <a:rPr lang="en-US" dirty="0" err="1"/>
-              <a:t>cspice_kclear</a:t>
-            </a:r>
-            <a:r>
-              <a:rPr lang="en-US" dirty="0"/>
-              <a:t>():</a:t>
-            </a:r>
-          </a:p>
-          <a:p>
-            <a:pPr lvl="1"/>
-            <a:r>
-              <a:rPr lang="en-US" dirty="0"/>
-              <a:t>Clears the kernel pool (unloads all previously loaded kernels)</a:t>
-            </a:r>
-          </a:p>
-          <a:p>
-            <a:pPr lvl="1"/>
-            <a:r>
-              <a:rPr lang="en-US" dirty="0"/>
-              <a:t>This is important when you might want to use conflicting kernels.  Such as running two analyses using two different sets of kernels that overlap in their coverage period.</a:t>
-            </a:r>
-          </a:p>
-          <a:p>
+              <a:rPr lang="en-US" dirty="0"/>
+              <a:t>A list of all SPICE routines can be found at: </a:t>
+            </a:r>
+            <a:r>
+              <a:rPr lang="en-US" dirty="0">
+                <a:hlinkClick r:id="rId10"/>
+              </a:rPr>
+              <a:t>https://naif.jpl.nasa.gov/pub/naif/toolkit_docs/IDL/cspice/index.html</a:t>
+            </a:r>
             <a:endParaRPr lang="en-US" dirty="0"/>
           </a:p>
         </p:txBody>
@@ -7251,7 +7399,7 @@
     </p:spTree>
     <p:extLst>
       <p:ext uri="{BB962C8B-B14F-4D97-AF65-F5344CB8AC3E}">
-        <p14:creationId xmlns:p14="http://schemas.microsoft.com/office/powerpoint/2010/main" val="395996224"/>
+        <p14:creationId xmlns:p14="http://schemas.microsoft.com/office/powerpoint/2010/main" val="1954070990"/>
       </p:ext>
     </p:extLst>
   </p:cSld>
@@ -7283,7 +7431,7 @@
           <p:cNvPr id="2" name="Title 1">
             <a:extLst>
               <a:ext uri="{FF2B5EF4-FFF2-40B4-BE49-F238E27FC236}">
-                <a16:creationId xmlns:a16="http://schemas.microsoft.com/office/drawing/2014/main" id="{385188BA-4F20-4C66-81BC-3B7D8EB86472}"/>
+                <a16:creationId xmlns:a16="http://schemas.microsoft.com/office/drawing/2014/main" id="{2F0E340C-D47B-488D-864F-D26F807F579E}"/>
               </a:ext>
             </a:extLst>
           </p:cNvPr>
@@ -7300,9 +7448,18 @@
           <a:lstStyle/>
           <a:p>
             <a:r>
-              <a:rPr lang="en-US" dirty="0"/>
-              <a:t>str2et() and et2utc()</a:t>
-            </a:r>
+              <a:rPr lang="en-US" dirty="0" err="1"/>
+              <a:t>furnsh</a:t>
+            </a:r>
+            <a:r>
+              <a:rPr lang="en-US" dirty="0"/>
+              <a:t> and </a:t>
+            </a:r>
+            <a:r>
+              <a:rPr lang="en-US" dirty="0" err="1"/>
+              <a:t>cspice_kclear</a:t>
+            </a:r>
+            <a:endParaRPr lang="en-US" dirty="0"/>
           </a:p>
         </p:txBody>
       </p:sp>
@@ -7311,7 +7468,7 @@
           <p:cNvPr id="3" name="Content Placeholder 2">
             <a:extLst>
               <a:ext uri="{FF2B5EF4-FFF2-40B4-BE49-F238E27FC236}">
-                <a16:creationId xmlns:a16="http://schemas.microsoft.com/office/drawing/2014/main" id="{A2481883-1AE8-417B-8857-26DCF38AF67E}"/>
+                <a16:creationId xmlns:a16="http://schemas.microsoft.com/office/drawing/2014/main" id="{9F5AE0DD-1D8C-4BBA-B76E-E87AB1B0C9C0}"/>
               </a:ext>
             </a:extLst>
           </p:cNvPr>
@@ -7328,42 +7485,48 @@
           <a:lstStyle/>
           <a:p>
             <a:r>
-              <a:rPr lang="en-US" dirty="0"/>
-              <a:t>str2et():</a:t>
+              <a:rPr lang="en-US" dirty="0" err="1"/>
+              <a:t>furnsh</a:t>
+            </a:r>
+            <a:r>
+              <a:rPr lang="en-US" dirty="0"/>
+              <a:t>():</a:t>
             </a:r>
           </a:p>
           <a:p>
             <a:pPr lvl="1"/>
             <a:r>
               <a:rPr lang="en-US" dirty="0"/>
-              <a:t>Used to convert a datetime string to an “ephemeris time” (Barycentric Dynamical Time)</a:t>
+              <a:t>Short for “furnish”</a:t>
             </a:r>
           </a:p>
           <a:p>
             <a:pPr lvl="1"/>
             <a:r>
               <a:rPr lang="en-US" dirty="0"/>
-              <a:t>MATLAB Example: et = cspice_str2et('15-Nov-2022 13:35:19')</a:t>
-            </a:r>
-          </a:p>
-          <a:p>
-            <a:r>
-              <a:rPr lang="en-US" dirty="0"/>
-              <a:t>et2utc():</a:t>
+              <a:t>Adds kernel to the “pool” (that is, loads it such that it can be used)</a:t>
             </a:r>
           </a:p>
           <a:p>
             <a:pPr lvl="1"/>
             <a:r>
               <a:rPr lang="en-US" dirty="0"/>
-              <a:t>Used to convert an ephemeris time into a string in UTC</a:t>
+              <a:t>If a meta kernel is provided, then all of the kernels provided by the meta kernel are furnished.</a:t>
             </a:r>
           </a:p>
           <a:p>
             <a:pPr lvl="1"/>
             <a:r>
               <a:rPr lang="en-US" dirty="0"/>
-              <a:t>MATLAB Example: cspice_et2utc(7.2179e+08, ’C’, 1)</a:t>
+              <a:t>MATLAB Example:  </a:t>
+            </a:r>
+            <a:r>
+              <a:rPr lang="en-US" dirty="0" err="1"/>
+              <a:t>cspice_furnsh</a:t>
+            </a:r>
+            <a:r>
+              <a:rPr lang="en-US" dirty="0"/>
+              <a:t>(‘de430.bsp’)</a:t>
             </a:r>
           </a:p>
           <a:p>
@@ -7372,16 +7535,37 @@
           </a:p>
           <a:p>
             <a:r>
-              <a:rPr lang="en-US" dirty="0"/>
-              <a:t>NOTE: Both of these (and any time conversions) require the loading of a leap seconds kernel!</a:t>
-            </a:r>
+              <a:rPr lang="en-US" dirty="0" err="1"/>
+              <a:t>cspice_kclear</a:t>
+            </a:r>
+            <a:r>
+              <a:rPr lang="en-US" dirty="0"/>
+              <a:t>():</a:t>
+            </a:r>
+          </a:p>
+          <a:p>
+            <a:pPr lvl="1"/>
+            <a:r>
+              <a:rPr lang="en-US" dirty="0"/>
+              <a:t>Clears the kernel pool (unloads all previously loaded kernels)</a:t>
+            </a:r>
+          </a:p>
+          <a:p>
+            <a:pPr lvl="1"/>
+            <a:r>
+              <a:rPr lang="en-US" dirty="0"/>
+              <a:t>This is important when you might want to use conflicting kernels.  Such as running two analyses using two different sets of kernels that overlap in their coverage period.</a:t>
+            </a:r>
+          </a:p>
+          <a:p>
+            <a:endParaRPr lang="en-US" dirty="0"/>
           </a:p>
         </p:txBody>
       </p:sp>
     </p:spTree>
     <p:extLst>
       <p:ext uri="{BB962C8B-B14F-4D97-AF65-F5344CB8AC3E}">
-        <p14:creationId xmlns:p14="http://schemas.microsoft.com/office/powerpoint/2010/main" val="3615279729"/>
+        <p14:creationId xmlns:p14="http://schemas.microsoft.com/office/powerpoint/2010/main" val="395996224"/>
       </p:ext>
     </p:extLst>
   </p:cSld>
@@ -7413,7 +7597,7 @@
           <p:cNvPr id="2" name="Title 1">
             <a:extLst>
               <a:ext uri="{FF2B5EF4-FFF2-40B4-BE49-F238E27FC236}">
-                <a16:creationId xmlns:a16="http://schemas.microsoft.com/office/drawing/2014/main" id="{DBAA2FD6-3EED-4E4F-9C52-C4EC357419E6}"/>
+                <a16:creationId xmlns:a16="http://schemas.microsoft.com/office/drawing/2014/main" id="{385188BA-4F20-4C66-81BC-3B7D8EB86472}"/>
               </a:ext>
             </a:extLst>
           </p:cNvPr>
@@ -7430,12 +7614,8 @@
           <a:lstStyle/>
           <a:p>
             <a:r>
-              <a:rPr lang="en-US" dirty="0" err="1"/>
-              <a:t>bodvrd</a:t>
-            </a:r>
-            <a:r>
-              <a:rPr lang="en-US" dirty="0"/>
-              <a:t>()</a:t>
+              <a:rPr lang="en-US" dirty="0"/>
+              <a:t>str2et() and et2utc()</a:t>
             </a:r>
           </a:p>
         </p:txBody>
@@ -7445,7 +7625,7 @@
           <p:cNvPr id="3" name="Content Placeholder 2">
             <a:extLst>
               <a:ext uri="{FF2B5EF4-FFF2-40B4-BE49-F238E27FC236}">
-                <a16:creationId xmlns:a16="http://schemas.microsoft.com/office/drawing/2014/main" id="{BFF4AA5F-8DC7-4DE9-9FDC-2CB667F86870}"/>
+                <a16:creationId xmlns:a16="http://schemas.microsoft.com/office/drawing/2014/main" id="{A2481883-1AE8-417B-8857-26DCF38AF67E}"/>
               </a:ext>
             </a:extLst>
           </p:cNvPr>
@@ -7463,49 +7643,51 @@
           <a:p>
             <a:r>
               <a:rPr lang="en-US" dirty="0"/>
-              <a:t>Gets constants provided by PCK kernels</a:t>
+              <a:t>str2et():</a:t>
             </a:r>
           </a:p>
           <a:p>
             <a:pPr lvl="1"/>
             <a:r>
               <a:rPr lang="en-US" dirty="0"/>
-              <a:t>Things such as GM, Radii, higher order gravity terms, etc.</a:t>
+              <a:t>Used to convert a datetime string to an “ephemeris time” (Barycentric Dynamical Time)</a:t>
             </a:r>
           </a:p>
           <a:p>
             <a:pPr lvl="1"/>
             <a:r>
               <a:rPr lang="en-US" dirty="0"/>
-              <a:t>MATLAB Example:  </a:t>
-            </a:r>
-            <a:r>
-              <a:rPr lang="en-US" dirty="0" err="1"/>
-              <a:t>earth_gm</a:t>
-            </a:r>
-            <a:r>
-              <a:rPr lang="en-US" dirty="0"/>
-              <a:t> = </a:t>
-            </a:r>
-            <a:r>
-              <a:rPr lang="en-US" dirty="0" err="1"/>
-              <a:t>cspice_bodvrd</a:t>
-            </a:r>
-            <a:r>
-              <a:rPr lang="en-US" dirty="0"/>
-              <a:t>('EARTH’, 'GM’, 1);</a:t>
-            </a:r>
-          </a:p>
-          <a:p>
-            <a:pPr marL="457200" lvl="1" indent="0">
-              <a:buNone/>
-            </a:pPr>
+              <a:t>MATLAB Example: et = cspice_str2et('15-Nov-2022 13:35:19')</a:t>
+            </a:r>
+          </a:p>
+          <a:p>
+            <a:r>
+              <a:rPr lang="en-US" dirty="0"/>
+              <a:t>et2utc():</a:t>
+            </a:r>
+          </a:p>
+          <a:p>
+            <a:pPr lvl="1"/>
+            <a:r>
+              <a:rPr lang="en-US" dirty="0"/>
+              <a:t>Used to convert an ephemeris time into a string in UTC</a:t>
+            </a:r>
+          </a:p>
+          <a:p>
+            <a:pPr lvl="1"/>
+            <a:r>
+              <a:rPr lang="en-US" dirty="0"/>
+              <a:t>MATLAB Example: cspice_et2utc(7.2179e+08, ’C’, 1)</a:t>
+            </a:r>
+          </a:p>
+          <a:p>
+            <a:pPr lvl="1"/>
             <a:endParaRPr lang="en-US" dirty="0"/>
           </a:p>
           <a:p>
             <a:r>
               <a:rPr lang="en-US" dirty="0"/>
-              <a:t>NOTE: This requires loading of a PCK kernel</a:t>
+              <a:t>NOTE: Both of these (and any time conversions) require the loading of a leap seconds kernel!</a:t>
             </a:r>
           </a:p>
         </p:txBody>
@@ -7513,7 +7695,7 @@
     </p:spTree>
     <p:extLst>
       <p:ext uri="{BB962C8B-B14F-4D97-AF65-F5344CB8AC3E}">
-        <p14:creationId xmlns:p14="http://schemas.microsoft.com/office/powerpoint/2010/main" val="3636174322"/>
+        <p14:creationId xmlns:p14="http://schemas.microsoft.com/office/powerpoint/2010/main" val="3615279729"/>
       </p:ext>
     </p:extLst>
   </p:cSld>
@@ -7545,7 +7727,7 @@
           <p:cNvPr id="2" name="Title 1">
             <a:extLst>
               <a:ext uri="{FF2B5EF4-FFF2-40B4-BE49-F238E27FC236}">
-                <a16:creationId xmlns:a16="http://schemas.microsoft.com/office/drawing/2014/main" id="{5BC0A71A-48FA-4F5D-86B6-F53A70C2A7C0}"/>
+                <a16:creationId xmlns:a16="http://schemas.microsoft.com/office/drawing/2014/main" id="{DBAA2FD6-3EED-4E4F-9C52-C4EC357419E6}"/>
               </a:ext>
             </a:extLst>
           </p:cNvPr>
@@ -7563,136 +7745,89 @@
           <a:p>
             <a:r>
               <a:rPr lang="en-US" dirty="0" err="1"/>
-              <a:t>spkpos</a:t>
-            </a:r>
-            <a:r>
-              <a:rPr lang="en-US" dirty="0"/>
-              <a:t>() and </a:t>
+              <a:t>bodvrd</a:t>
+            </a:r>
+            <a:r>
+              <a:rPr lang="en-US" dirty="0"/>
+              <a:t>()</a:t>
+            </a:r>
+          </a:p>
+        </p:txBody>
+      </p:sp>
+      <p:sp>
+        <p:nvSpPr>
+          <p:cNvPr id="3" name="Content Placeholder 2">
+            <a:extLst>
+              <a:ext uri="{FF2B5EF4-FFF2-40B4-BE49-F238E27FC236}">
+                <a16:creationId xmlns:a16="http://schemas.microsoft.com/office/drawing/2014/main" id="{BFF4AA5F-8DC7-4DE9-9FDC-2CB667F86870}"/>
+              </a:ext>
+            </a:extLst>
+          </p:cNvPr>
+          <p:cNvSpPr>
+            <a:spLocks noGrp="1"/>
+          </p:cNvSpPr>
+          <p:nvPr>
+            <p:ph idx="1"/>
+          </p:nvPr>
+        </p:nvSpPr>
+        <p:spPr/>
+        <p:txBody>
+          <a:bodyPr/>
+          <a:lstStyle/>
+          <a:p>
+            <a:r>
+              <a:rPr lang="en-US" dirty="0"/>
+              <a:t>Gets constants provided by PCK kernels</a:t>
+            </a:r>
+          </a:p>
+          <a:p>
+            <a:pPr lvl="1"/>
+            <a:r>
+              <a:rPr lang="en-US" dirty="0"/>
+              <a:t>Things such as GM, Radii, higher order gravity terms, etc.</a:t>
+            </a:r>
+          </a:p>
+          <a:p>
+            <a:pPr lvl="1"/>
+            <a:r>
+              <a:rPr lang="en-US" dirty="0"/>
+              <a:t>MATLAB Example:  </a:t>
             </a:r>
             <a:r>
               <a:rPr lang="en-US" dirty="0" err="1"/>
-              <a:t>spkezr</a:t>
-            </a:r>
-            <a:r>
-              <a:rPr lang="en-US" dirty="0"/>
-              <a:t>()</a:t>
-            </a:r>
-          </a:p>
-        </p:txBody>
-      </p:sp>
-      <p:sp>
-        <p:nvSpPr>
-          <p:cNvPr id="3" name="Content Placeholder 2">
-            <a:extLst>
-              <a:ext uri="{FF2B5EF4-FFF2-40B4-BE49-F238E27FC236}">
-                <a16:creationId xmlns:a16="http://schemas.microsoft.com/office/drawing/2014/main" id="{B64EE814-F4D6-4245-BCCA-8752629495C6}"/>
-              </a:ext>
-            </a:extLst>
-          </p:cNvPr>
-          <p:cNvSpPr>
-            <a:spLocks noGrp="1"/>
-          </p:cNvSpPr>
-          <p:nvPr>
-            <p:ph idx="1"/>
-          </p:nvPr>
-        </p:nvSpPr>
-        <p:spPr/>
-        <p:txBody>
-          <a:bodyPr/>
-          <a:lstStyle/>
-          <a:p>
-            <a:r>
-              <a:rPr lang="en-US" dirty="0"/>
-              <a:t>Both follow the same argument format:</a:t>
-            </a:r>
-          </a:p>
-          <a:p>
-            <a:pPr lvl="1"/>
-            <a:r>
-              <a:rPr lang="en-US" dirty="0"/>
-              <a:t>MATLAB Example: position = </a:t>
+              <a:t>earth_gm</a:t>
+            </a:r>
+            <a:r>
+              <a:rPr lang="en-US" dirty="0"/>
+              <a:t> = </a:t>
             </a:r>
             <a:r>
               <a:rPr lang="en-US" dirty="0" err="1"/>
-              <a:t>cspice_spkpos</a:t>
-            </a:r>
-            <a:r>
-              <a:rPr lang="en-US" dirty="0"/>
-              <a:t>(TARGET, et, FRAME, </a:t>
-            </a:r>
-            <a:r>
-              <a:rPr lang="en-US" dirty="0" err="1"/>
-              <a:t>Abcorr</a:t>
-            </a:r>
-            <a:r>
-              <a:rPr lang="en-US" dirty="0"/>
-              <a:t>, ORIGIN)</a:t>
-            </a:r>
-          </a:p>
-          <a:p>
-            <a:pPr lvl="2"/>
-            <a:r>
-              <a:rPr lang="en-US" dirty="0"/>
-              <a:t>TARGET = Object whose position you wish to determine</a:t>
-            </a:r>
-          </a:p>
-          <a:p>
-            <a:pPr lvl="2"/>
-            <a:r>
-              <a:rPr lang="en-US" dirty="0"/>
-              <a:t>et = The ephemeris time of the position you wish to determine</a:t>
-            </a:r>
-          </a:p>
-          <a:p>
-            <a:pPr lvl="2"/>
-            <a:r>
-              <a:rPr lang="en-US" dirty="0"/>
-              <a:t>FRAME = The reference frame you wish to determine the position in</a:t>
-            </a:r>
-          </a:p>
-          <a:p>
-            <a:pPr lvl="2"/>
-            <a:r>
-              <a:rPr lang="en-US" dirty="0" err="1"/>
-              <a:t>Abcorr</a:t>
-            </a:r>
-            <a:r>
-              <a:rPr lang="en-US" dirty="0"/>
-              <a:t> = “Aberration Correct”.  For now you can essentially assume it should always be “NONE”</a:t>
-            </a:r>
-          </a:p>
-          <a:p>
-            <a:pPr lvl="2"/>
-            <a:r>
-              <a:rPr lang="en-US" dirty="0"/>
-              <a:t>ORIGIN = The origin with which you want to determine the position relative to</a:t>
-            </a:r>
-          </a:p>
-          <a:p>
-            <a:pPr lvl="2"/>
+              <a:t>cspice_bodvrd</a:t>
+            </a:r>
+            <a:r>
+              <a:rPr lang="en-US" dirty="0"/>
+              <a:t>('EARTH’, 'GM’, 1);</a:t>
+            </a:r>
+          </a:p>
+          <a:p>
+            <a:pPr marL="457200" lvl="1" indent="0">
+              <a:buNone/>
+            </a:pPr>
             <a:endParaRPr lang="en-US" dirty="0"/>
           </a:p>
           <a:p>
-            <a:pPr lvl="1"/>
-            <a:r>
-              <a:rPr lang="en-US" dirty="0" err="1"/>
-              <a:t>spkezr</a:t>
-            </a:r>
-            <a:r>
-              <a:rPr lang="en-US" dirty="0"/>
-              <a:t> has the exact same format but instead of returning just the position, it also returns the velocity</a:t>
-            </a:r>
-          </a:p>
-          <a:p>
-            <a:pPr lvl="1"/>
-            <a:endParaRPr lang="en-US" dirty="0"/>
+            <a:r>
+              <a:rPr lang="en-US" dirty="0"/>
+              <a:t>NOTE: This requires loading of a PCK kernel</a:t>
+            </a:r>
           </a:p>
         </p:txBody>
       </p:sp>
     </p:spTree>
     <p:extLst>
       <p:ext uri="{BB962C8B-B14F-4D97-AF65-F5344CB8AC3E}">
-        <p14:creationId xmlns:p14="http://schemas.microsoft.com/office/powerpoint/2010/main" val="2492173700"/>
+        <p14:creationId xmlns:p14="http://schemas.microsoft.com/office/powerpoint/2010/main" val="3636174322"/>
       </p:ext>
     </p:extLst>
   </p:cSld>

--- a/spice_overview.pptx
+++ b/spice_overview.pptx
@@ -5145,9 +5145,29 @@
         </p:nvSpPr>
         <p:spPr/>
         <p:txBody>
-          <a:bodyPr/>
-          <a:lstStyle/>
-          <a:p>
+          <a:bodyPr>
+            <a:normAutofit lnSpcReduction="10000"/>
+          </a:bodyPr>
+          <a:lstStyle/>
+          <a:p>
+            <a:r>
+              <a:rPr lang="en-US" dirty="0"/>
+              <a:t>Chris Gnam</a:t>
+            </a:r>
+          </a:p>
+          <a:p>
+            <a:r>
+              <a:rPr lang="en-US" dirty="0" err="1"/>
+              <a:t>crgnam@</a:t>
+            </a:r>
+            <a:r>
+              <a:rPr lang="en-US" err="1"/>
+              <a:t>buffalo</a:t>
+            </a:r>
+            <a:r>
+              <a:rPr lang="en-US"/>
+              <a:t>.edu</a:t>
+            </a:r>
             <a:endParaRPr lang="en-US" dirty="0"/>
           </a:p>
         </p:txBody>
@@ -5967,7 +5987,7 @@
         <p:spPr/>
         <p:txBody>
           <a:bodyPr>
-            <a:normAutofit fontScale="92500" lnSpcReduction="10000"/>
+            <a:normAutofit fontScale="85000" lnSpcReduction="20000"/>
           </a:bodyPr>
           <a:lstStyle/>
           <a:p>
@@ -6049,11 +6069,27 @@
           <a:p>
             <a:r>
               <a:rPr lang="en-US" dirty="0"/>
-              <a:t>Great overview documentation can be found at: </a:t>
+              <a:t>SPICE Download Available here:  </a:t>
             </a:r>
             <a:r>
               <a:rPr lang="en-US" dirty="0">
                 <a:hlinkClick r:id="rId2"/>
+              </a:rPr>
+              <a:t>https://naif.jpl.nasa.gov/naif/toolkit.html</a:t>
+            </a:r>
+            <a:endParaRPr lang="en-US" dirty="0"/>
+          </a:p>
+          <a:p>
+            <a:endParaRPr lang="en-US" dirty="0"/>
+          </a:p>
+          <a:p>
+            <a:r>
+              <a:rPr lang="en-US" dirty="0"/>
+              <a:t>Great overview documentation can be found at: </a:t>
+            </a:r>
+            <a:r>
+              <a:rPr lang="en-US" dirty="0">
+                <a:hlinkClick r:id="rId3"/>
               </a:rPr>
               <a:t>https://naif.jpl.nasa.gov/pub/naif/toolkit_docs/Tutorials/pdf/individual_docs/</a:t>
             </a:r>
@@ -7105,13 +7141,8 @@
           <a:p>
             <a:r>
               <a:rPr lang="en-US" dirty="0"/>
-              <a:t>Many data products (especially images and LiDAR data) will come with associated SPICE kernels.  For example any NAC images from the LRO have an associated SPICE kernel defining where the camera was and how it was pointed while capturing </a:t>
-            </a:r>
-            <a:r>
-              <a:rPr lang="en-US"/>
-              <a:t>the image.</a:t>
-            </a:r>
-            <a:endParaRPr lang="en-US" dirty="0"/>
+              <a:t>Many data products (especially images and LiDAR data) will come with associated SPICE kernels.  For example any NAC images from the LRO have an associated SPICE kernel defining where the camera was and how it was pointed while capturing the image.</a:t>
+            </a:r>
           </a:p>
         </p:txBody>
       </p:sp>
